--- a/week_2/2.10 Git and Distributed Source Control.pptx
+++ b/week_2/2.10 Git and Distributed Source Control.pptx
@@ -292,7 +292,7 @@
           <a:p>
             <a:fld id="{EBE315F9-9F3B-7C47-80AE-95A8C61C12D9}" type="datetimeFigureOut">
               <a:rPr lang="en-US" smtClean="0"/>
-              <a:t>8/21/15</a:t>
+              <a:t>9/28/15</a:t>
             </a:fld>
             <a:endParaRPr lang="en-US"/>
           </a:p>
@@ -462,7 +462,7 @@
           <a:p>
             <a:fld id="{EBE315F9-9F3B-7C47-80AE-95A8C61C12D9}" type="datetimeFigureOut">
               <a:rPr lang="en-US" smtClean="0"/>
-              <a:t>8/21/15</a:t>
+              <a:t>9/28/15</a:t>
             </a:fld>
             <a:endParaRPr lang="en-US"/>
           </a:p>
@@ -642,7 +642,7 @@
           <a:p>
             <a:fld id="{EBE315F9-9F3B-7C47-80AE-95A8C61C12D9}" type="datetimeFigureOut">
               <a:rPr lang="en-US" smtClean="0"/>
-              <a:t>8/21/15</a:t>
+              <a:t>9/28/15</a:t>
             </a:fld>
             <a:endParaRPr lang="en-US"/>
           </a:p>
@@ -812,7 +812,7 @@
           <a:p>
             <a:fld id="{EBE315F9-9F3B-7C47-80AE-95A8C61C12D9}" type="datetimeFigureOut">
               <a:rPr lang="en-US" smtClean="0"/>
-              <a:t>8/21/15</a:t>
+              <a:t>9/28/15</a:t>
             </a:fld>
             <a:endParaRPr lang="en-US"/>
           </a:p>
@@ -1058,7 +1058,7 @@
           <a:p>
             <a:fld id="{EBE315F9-9F3B-7C47-80AE-95A8C61C12D9}" type="datetimeFigureOut">
               <a:rPr lang="en-US" smtClean="0"/>
-              <a:t>8/21/15</a:t>
+              <a:t>9/28/15</a:t>
             </a:fld>
             <a:endParaRPr lang="en-US"/>
           </a:p>
@@ -1346,7 +1346,7 @@
           <a:p>
             <a:fld id="{EBE315F9-9F3B-7C47-80AE-95A8C61C12D9}" type="datetimeFigureOut">
               <a:rPr lang="en-US" smtClean="0"/>
-              <a:t>8/21/15</a:t>
+              <a:t>9/28/15</a:t>
             </a:fld>
             <a:endParaRPr lang="en-US"/>
           </a:p>
@@ -1768,7 +1768,7 @@
           <a:p>
             <a:fld id="{EBE315F9-9F3B-7C47-80AE-95A8C61C12D9}" type="datetimeFigureOut">
               <a:rPr lang="en-US" smtClean="0"/>
-              <a:t>8/21/15</a:t>
+              <a:t>9/28/15</a:t>
             </a:fld>
             <a:endParaRPr lang="en-US"/>
           </a:p>
@@ -1886,7 +1886,7 @@
           <a:p>
             <a:fld id="{EBE315F9-9F3B-7C47-80AE-95A8C61C12D9}" type="datetimeFigureOut">
               <a:rPr lang="en-US" smtClean="0"/>
-              <a:t>8/21/15</a:t>
+              <a:t>9/28/15</a:t>
             </a:fld>
             <a:endParaRPr lang="en-US"/>
           </a:p>
@@ -1981,7 +1981,7 @@
           <a:p>
             <a:fld id="{EBE315F9-9F3B-7C47-80AE-95A8C61C12D9}" type="datetimeFigureOut">
               <a:rPr lang="en-US" smtClean="0"/>
-              <a:t>8/21/15</a:t>
+              <a:t>9/28/15</a:t>
             </a:fld>
             <a:endParaRPr lang="en-US"/>
           </a:p>
@@ -2258,7 +2258,7 @@
           <a:p>
             <a:fld id="{EBE315F9-9F3B-7C47-80AE-95A8C61C12D9}" type="datetimeFigureOut">
               <a:rPr lang="en-US" smtClean="0"/>
-              <a:t>8/21/15</a:t>
+              <a:t>9/28/15</a:t>
             </a:fld>
             <a:endParaRPr lang="en-US"/>
           </a:p>
@@ -2511,7 +2511,7 @@
           <a:p>
             <a:fld id="{EBE315F9-9F3B-7C47-80AE-95A8C61C12D9}" type="datetimeFigureOut">
               <a:rPr lang="en-US" smtClean="0"/>
-              <a:t>8/21/15</a:t>
+              <a:t>9/28/15</a:t>
             </a:fld>
             <a:endParaRPr lang="en-US"/>
           </a:p>
@@ -2724,7 +2724,7 @@
           <a:p>
             <a:fld id="{EBE315F9-9F3B-7C47-80AE-95A8C61C12D9}" type="datetimeFigureOut">
               <a:rPr lang="en-US" smtClean="0"/>
-              <a:t>8/21/15</a:t>
+              <a:t>9/28/15</a:t>
             </a:fld>
             <a:endParaRPr lang="en-US"/>
           </a:p>
@@ -3155,6 +3155,13 @@
   <p:clrMapOvr>
     <a:masterClrMapping/>
   </p:clrMapOvr>
+  <p:timing>
+    <p:tnLst>
+      <p:par>
+        <p:cTn xmlns:p14="http://schemas.microsoft.com/office/powerpoint/2010/main" id="1" dur="indefinite" restart="never" nodeType="tmRoot"/>
+      </p:par>
+    </p:tnLst>
+  </p:timing>
 </p:sld>
 </file>
 
@@ -3220,11 +3227,7 @@
             </a:pPr>
             <a:r>
               <a:rPr lang="en-US" dirty="0" smtClean="0"/>
-              <a:t>Version Control Systems allow </a:t>
-            </a:r>
-            <a:r>
-              <a:rPr lang="en-US" dirty="0" smtClean="0"/>
-              <a:t>companies and individuals to manage different versions of files, and share them among various computers and people.</a:t>
+              <a:t>Version Control Systems allow companies and individuals to manage different versions of files, and share them among various computers and people.</a:t>
             </a:r>
           </a:p>
           <a:p>
@@ -3317,6 +3320,13 @@
   <p:clrMapOvr>
     <a:masterClrMapping/>
   </p:clrMapOvr>
+  <p:timing>
+    <p:tnLst>
+      <p:par>
+        <p:cTn xmlns:p14="http://schemas.microsoft.com/office/powerpoint/2010/main" id="1" dur="indefinite" restart="never" nodeType="tmRoot"/>
+      </p:par>
+    </p:tnLst>
+  </p:timing>
 </p:sld>
 </file>
 
@@ -3487,6 +3497,13 @@
   <p:clrMapOvr>
     <a:masterClrMapping/>
   </p:clrMapOvr>
+  <p:timing>
+    <p:tnLst>
+      <p:par>
+        <p:cTn xmlns:p14="http://schemas.microsoft.com/office/powerpoint/2010/main" id="1" dur="indefinite" restart="never" nodeType="tmRoot"/>
+      </p:par>
+    </p:tnLst>
+  </p:timing>
 </p:sld>
 </file>
 
@@ -3620,7 +3637,11 @@
             <a:pPr lvl="1"/>
             <a:r>
               <a:rPr lang="en-US" dirty="0" smtClean="0"/>
-              <a:t>he server is called origin here</a:t>
+              <a:t>The </a:t>
+            </a:r>
+            <a:r>
+              <a:rPr lang="en-US" dirty="0" smtClean="0"/>
+              <a:t>server is called origin here</a:t>
             </a:r>
           </a:p>
           <a:p>
@@ -3673,6 +3694,13 @@
   <p:clrMapOvr>
     <a:masterClrMapping/>
   </p:clrMapOvr>
+  <p:timing>
+    <p:tnLst>
+      <p:par>
+        <p:cTn xmlns:p14="http://schemas.microsoft.com/office/powerpoint/2010/main" id="1" dur="indefinite" restart="never" nodeType="tmRoot"/>
+      </p:par>
+    </p:tnLst>
+  </p:timing>
 </p:sld>
 </file>
 
@@ -3792,6 +3820,13 @@
   <p:clrMapOvr>
     <a:masterClrMapping/>
   </p:clrMapOvr>
+  <p:timing>
+    <p:tnLst>
+      <p:par>
+        <p:cTn xmlns:p14="http://schemas.microsoft.com/office/powerpoint/2010/main" id="1" dur="indefinite" restart="never" nodeType="tmRoot"/>
+      </p:par>
+    </p:tnLst>
+  </p:timing>
 </p:sld>
 </file>
 
